--- a/Documents/Présentation.pptx
+++ b/Documents/Présentation.pptx
@@ -116,6 +116,11 @@
       </a:defRPr>
     </a:lvl9pPr>
   </p:defaultTextStyle>
+  <p:extLst>
+    <p:ext uri="{EFAFB233-063F-42B5-8137-9DF3F51BA10A}">
+      <p15:sldGuideLst xmlns:p15="http://schemas.microsoft.com/office/powerpoint/2012/main"/>
+    </p:ext>
+  </p:extLst>
 </p:presentation>
 </file>
 
@@ -7145,8 +7150,13 @@
             </a:pPr>
             <a:r>
               <a:rPr lang="fr-FR" sz="2400" dirty="0"/>
-              <a:t>HTML, PHP 7, JS, CSS, TWIG</a:t>
-            </a:r>
+              <a:t>HTML, PHP 7, JS, CSS, TWIG, </a:t>
+            </a:r>
+            <a:r>
+              <a:rPr lang="fr-FR" sz="2400"/>
+              <a:t>Materialize</a:t>
+            </a:r>
+            <a:endParaRPr lang="fr-FR" sz="2400" dirty="0"/>
           </a:p>
           <a:p>
             <a:pPr>

--- a/Documents/Présentation.pptx
+++ b/Documents/Présentation.pptx
@@ -5,7 +5,7 @@
     <p:sldMasterId id="2147483648" r:id="rId1"/>
   </p:sldMasterIdLst>
   <p:notesMasterIdLst>
-    <p:notesMasterId r:id="rId12"/>
+    <p:notesMasterId r:id="rId14"/>
   </p:notesMasterIdLst>
   <p:sldIdLst>
     <p:sldId id="256" r:id="rId2"/>
@@ -14,10 +14,12 @@
     <p:sldId id="258" r:id="rId5"/>
     <p:sldId id="259" r:id="rId6"/>
     <p:sldId id="265" r:id="rId7"/>
-    <p:sldId id="260" r:id="rId8"/>
-    <p:sldId id="261" r:id="rId9"/>
-    <p:sldId id="262" r:id="rId10"/>
-    <p:sldId id="263" r:id="rId11"/>
+    <p:sldId id="266" r:id="rId8"/>
+    <p:sldId id="267" r:id="rId9"/>
+    <p:sldId id="260" r:id="rId10"/>
+    <p:sldId id="261" r:id="rId11"/>
+    <p:sldId id="262" r:id="rId12"/>
+    <p:sldId id="263" r:id="rId13"/>
   </p:sldIdLst>
   <p:sldSz cx="12192000" cy="6858000"/>
   <p:notesSz cx="6858000" cy="9144000"/>
@@ -6298,6 +6300,454 @@
           <p:cNvPr id="2" name="Titre 1">
             <a:extLst>
               <a:ext uri="{FF2B5EF4-FFF2-40B4-BE49-F238E27FC236}">
+                <a16:creationId xmlns:a16="http://schemas.microsoft.com/office/drawing/2014/main" id="{7C709441-5415-475A-BBE7-4ED41809CD3E}"/>
+              </a:ext>
+            </a:extLst>
+          </p:cNvPr>
+          <p:cNvSpPr>
+            <a:spLocks noGrp="1"/>
+          </p:cNvSpPr>
+          <p:nvPr>
+            <p:ph type="title"/>
+          </p:nvPr>
+        </p:nvSpPr>
+        <p:spPr/>
+        <p:txBody>
+          <a:bodyPr>
+            <a:normAutofit/>
+          </a:bodyPr>
+          <a:lstStyle/>
+          <a:p>
+            <a:r>
+              <a:rPr lang="fr-FR" sz="4000" dirty="0"/>
+              <a:t>Les améliorations possibles</a:t>
+            </a:r>
+          </a:p>
+        </p:txBody>
+      </p:sp>
+      <p:sp>
+        <p:nvSpPr>
+          <p:cNvPr id="3" name="Espace réservé du contenu 2">
+            <a:extLst>
+              <a:ext uri="{FF2B5EF4-FFF2-40B4-BE49-F238E27FC236}">
+                <a16:creationId xmlns:a16="http://schemas.microsoft.com/office/drawing/2014/main" id="{05AD3AC8-611B-4899-9921-E6BDB9F3331F}"/>
+              </a:ext>
+            </a:extLst>
+          </p:cNvPr>
+          <p:cNvSpPr>
+            <a:spLocks noGrp="1"/>
+          </p:cNvSpPr>
+          <p:nvPr>
+            <p:ph idx="1"/>
+          </p:nvPr>
+        </p:nvSpPr>
+        <p:spPr>
+          <a:xfrm>
+            <a:off x="1086909" y="1825625"/>
+            <a:ext cx="8596668" cy="3880773"/>
+          </a:xfrm>
+        </p:spPr>
+        <p:txBody>
+          <a:bodyPr>
+            <a:normAutofit/>
+          </a:bodyPr>
+          <a:lstStyle/>
+          <a:p>
+            <a:pPr>
+              <a:lnSpc>
+                <a:spcPct val="150000"/>
+              </a:lnSpc>
+            </a:pPr>
+            <a:r>
+              <a:rPr lang="fr-FR" sz="2400" dirty="0"/>
+              <a:t>Interface </a:t>
+            </a:r>
+            <a:r>
+              <a:rPr lang="fr-FR" sz="2400" dirty="0" err="1"/>
+              <a:t>userFriendly</a:t>
+            </a:r>
+            <a:endParaRPr lang="fr-FR" sz="2400" dirty="0"/>
+          </a:p>
+          <a:p>
+            <a:pPr>
+              <a:lnSpc>
+                <a:spcPct val="150000"/>
+              </a:lnSpc>
+            </a:pPr>
+            <a:r>
+              <a:rPr lang="fr-FR" sz="2400" dirty="0"/>
+              <a:t>IA</a:t>
+            </a:r>
+          </a:p>
+          <a:p>
+            <a:pPr>
+              <a:lnSpc>
+                <a:spcPct val="150000"/>
+              </a:lnSpc>
+            </a:pPr>
+            <a:r>
+              <a:rPr lang="fr-FR" sz="2400" dirty="0"/>
+              <a:t>Statistique d’un joueur</a:t>
+            </a:r>
+          </a:p>
+          <a:p>
+            <a:pPr>
+              <a:lnSpc>
+                <a:spcPct val="150000"/>
+              </a:lnSpc>
+            </a:pPr>
+            <a:r>
+              <a:rPr lang="fr-FR" sz="2400" dirty="0"/>
+              <a:t>Améliorer l’implémentation des règles du jeu</a:t>
+            </a:r>
+          </a:p>
+        </p:txBody>
+      </p:sp>
+      <p:sp>
+        <p:nvSpPr>
+          <p:cNvPr id="4" name="Espace réservé du numéro de diapositive 3">
+            <a:extLst>
+              <a:ext uri="{FF2B5EF4-FFF2-40B4-BE49-F238E27FC236}">
+                <a16:creationId xmlns:a16="http://schemas.microsoft.com/office/drawing/2014/main" id="{861E80B9-23D0-4C33-89C8-943B9B2A13CB}"/>
+              </a:ext>
+            </a:extLst>
+          </p:cNvPr>
+          <p:cNvSpPr>
+            <a:spLocks noGrp="1"/>
+          </p:cNvSpPr>
+          <p:nvPr>
+            <p:ph type="sldNum" sz="quarter" idx="12"/>
+          </p:nvPr>
+        </p:nvSpPr>
+        <p:spPr>
+          <a:xfrm>
+            <a:off x="11508661" y="6492875"/>
+            <a:ext cx="683339" cy="365125"/>
+          </a:xfrm>
+        </p:spPr>
+        <p:txBody>
+          <a:bodyPr/>
+          <a:lstStyle/>
+          <a:p>
+            <a:fld id="{519954A3-9DFD-4C44-94BA-B95130A3BA1C}" type="slidenum">
+              <a:rPr lang="en-US" sz="2000" smtClean="0">
+                <a:solidFill>
+                  <a:schemeClr val="bg1"/>
+                </a:solidFill>
+              </a:rPr>
+              <a:t>10</a:t>
+            </a:fld>
+            <a:endParaRPr lang="en-US" sz="2000" dirty="0">
+              <a:solidFill>
+                <a:schemeClr val="bg1"/>
+              </a:solidFill>
+            </a:endParaRPr>
+          </a:p>
+        </p:txBody>
+      </p:sp>
+      <p:pic>
+        <p:nvPicPr>
+          <p:cNvPr id="6146" name="Picture 2" descr="RÃ©sultat de recherche d'images pour &quot;logo isen toulon&quot;">
+            <a:extLst>
+              <a:ext uri="{FF2B5EF4-FFF2-40B4-BE49-F238E27FC236}">
+                <a16:creationId xmlns:a16="http://schemas.microsoft.com/office/drawing/2014/main" id="{58160BA0-29C0-498F-8235-C5521156A6D2}"/>
+              </a:ext>
+            </a:extLst>
+          </p:cNvPr>
+          <p:cNvPicPr>
+            <a:picLocks noChangeAspect="1" noChangeArrowheads="1"/>
+          </p:cNvPicPr>
+          <p:nvPr/>
+        </p:nvPicPr>
+        <p:blipFill>
+          <a:blip r:embed="rId2">
+            <a:extLst>
+              <a:ext uri="{28A0092B-C50C-407E-A947-70E740481C1C}">
+                <a14:useLocalDpi xmlns:a14="http://schemas.microsoft.com/office/drawing/2010/main" val="0"/>
+              </a:ext>
+            </a:extLst>
+          </a:blip>
+          <a:srcRect/>
+          <a:stretch>
+            <a:fillRect/>
+          </a:stretch>
+        </p:blipFill>
+        <p:spPr bwMode="auto">
+          <a:xfrm>
+            <a:off x="0" y="6149162"/>
+            <a:ext cx="1524000" cy="708837"/>
+          </a:xfrm>
+          <a:prstGeom prst="rect">
+            <a:avLst/>
+          </a:prstGeom>
+          <a:noFill/>
+          <a:extLst>
+            <a:ext uri="{909E8E84-426E-40DD-AFC4-6F175D3DCCD1}">
+              <a14:hiddenFill xmlns:a14="http://schemas.microsoft.com/office/drawing/2010/main">
+                <a:solidFill>
+                  <a:srgbClr val="FFFFFF"/>
+                </a:solidFill>
+              </a14:hiddenFill>
+            </a:ext>
+          </a:extLst>
+        </p:spPr>
+      </p:pic>
+      <p:pic>
+        <p:nvPicPr>
+          <p:cNvPr id="6148" name="Picture 4" descr="Tools">
+            <a:extLst>
+              <a:ext uri="{FF2B5EF4-FFF2-40B4-BE49-F238E27FC236}">
+                <a16:creationId xmlns:a16="http://schemas.microsoft.com/office/drawing/2014/main" id="{354D09F3-36D5-43A8-B703-59FD0DC53623}"/>
+              </a:ext>
+            </a:extLst>
+          </p:cNvPr>
+          <p:cNvPicPr>
+            <a:picLocks noChangeAspect="1" noChangeArrowheads="1"/>
+          </p:cNvPicPr>
+          <p:nvPr/>
+        </p:nvPicPr>
+        <p:blipFill>
+          <a:blip r:embed="rId3">
+            <a:extLst>
+              <a:ext uri="{28A0092B-C50C-407E-A947-70E740481C1C}">
+                <a14:useLocalDpi xmlns:a14="http://schemas.microsoft.com/office/drawing/2010/main" val="0"/>
+              </a:ext>
+            </a:extLst>
+          </a:blip>
+          <a:srcRect/>
+          <a:stretch>
+            <a:fillRect/>
+          </a:stretch>
+        </p:blipFill>
+        <p:spPr bwMode="auto">
+          <a:xfrm>
+            <a:off x="8148271" y="2656743"/>
+            <a:ext cx="1790700" cy="1790700"/>
+          </a:xfrm>
+          <a:prstGeom prst="rect">
+            <a:avLst/>
+          </a:prstGeom>
+          <a:noFill/>
+          <a:extLst>
+            <a:ext uri="{909E8E84-426E-40DD-AFC4-6F175D3DCCD1}">
+              <a14:hiddenFill xmlns:a14="http://schemas.microsoft.com/office/drawing/2010/main">
+                <a:solidFill>
+                  <a:srgbClr val="FFFFFF"/>
+                </a:solidFill>
+              </a14:hiddenFill>
+            </a:ext>
+          </a:extLst>
+        </p:spPr>
+      </p:pic>
+    </p:spTree>
+    <p:extLst>
+      <p:ext uri="{BB962C8B-B14F-4D97-AF65-F5344CB8AC3E}">
+        <p14:creationId xmlns:p14="http://schemas.microsoft.com/office/powerpoint/2010/main" val="2818175400"/>
+      </p:ext>
+    </p:extLst>
+  </p:cSld>
+  <p:clrMapOvr>
+    <a:masterClrMapping/>
+  </p:clrMapOvr>
+</p:sld>
+</file>
+
+<file path=ppt/slides/slide11.xml><?xml version="1.0" encoding="utf-8"?>
+<p:sld xmlns:a="http://schemas.openxmlformats.org/drawingml/2006/main" xmlns:r="http://schemas.openxmlformats.org/officeDocument/2006/relationships" xmlns:p="http://schemas.openxmlformats.org/presentationml/2006/main">
+  <p:cSld>
+    <p:spTree>
+      <p:nvGrpSpPr>
+        <p:cNvPr id="1" name=""/>
+        <p:cNvGrpSpPr/>
+        <p:nvPr/>
+      </p:nvGrpSpPr>
+      <p:grpSpPr>
+        <a:xfrm>
+          <a:off x="0" y="0"/>
+          <a:ext cx="0" cy="0"/>
+          <a:chOff x="0" y="0"/>
+          <a:chExt cx="0" cy="0"/>
+        </a:xfrm>
+      </p:grpSpPr>
+      <p:sp>
+        <p:nvSpPr>
+          <p:cNvPr id="2" name="Titre 1">
+            <a:extLst>
+              <a:ext uri="{FF2B5EF4-FFF2-40B4-BE49-F238E27FC236}">
+                <a16:creationId xmlns:a16="http://schemas.microsoft.com/office/drawing/2014/main" id="{85682675-216F-4B4E-92C4-D14B3023C52C}"/>
+              </a:ext>
+            </a:extLst>
+          </p:cNvPr>
+          <p:cNvSpPr>
+            <a:spLocks noGrp="1"/>
+          </p:cNvSpPr>
+          <p:nvPr>
+            <p:ph type="title"/>
+          </p:nvPr>
+        </p:nvSpPr>
+        <p:spPr/>
+        <p:txBody>
+          <a:bodyPr>
+            <a:normAutofit/>
+          </a:bodyPr>
+          <a:lstStyle/>
+          <a:p>
+            <a:r>
+              <a:rPr lang="fr-FR" sz="4000" dirty="0"/>
+              <a:t>Démonstration</a:t>
+            </a:r>
+          </a:p>
+        </p:txBody>
+      </p:sp>
+      <p:sp>
+        <p:nvSpPr>
+          <p:cNvPr id="3" name="Espace réservé du contenu 2">
+            <a:extLst>
+              <a:ext uri="{FF2B5EF4-FFF2-40B4-BE49-F238E27FC236}">
+                <a16:creationId xmlns:a16="http://schemas.microsoft.com/office/drawing/2014/main" id="{97423FD6-8378-464C-8C37-0C69B704AF5F}"/>
+              </a:ext>
+            </a:extLst>
+          </p:cNvPr>
+          <p:cNvSpPr>
+            <a:spLocks noGrp="1"/>
+          </p:cNvSpPr>
+          <p:nvPr>
+            <p:ph idx="1"/>
+          </p:nvPr>
+        </p:nvSpPr>
+        <p:spPr/>
+        <p:txBody>
+          <a:bodyPr/>
+          <a:lstStyle/>
+          <a:p>
+            <a:endParaRPr lang="fr-FR"/>
+          </a:p>
+        </p:txBody>
+      </p:sp>
+      <p:sp>
+        <p:nvSpPr>
+          <p:cNvPr id="4" name="Espace réservé du numéro de diapositive 3">
+            <a:extLst>
+              <a:ext uri="{FF2B5EF4-FFF2-40B4-BE49-F238E27FC236}">
+                <a16:creationId xmlns:a16="http://schemas.microsoft.com/office/drawing/2014/main" id="{6194BF02-B71D-4BFB-ADFB-D3F3223B5FA6}"/>
+              </a:ext>
+            </a:extLst>
+          </p:cNvPr>
+          <p:cNvSpPr>
+            <a:spLocks noGrp="1"/>
+          </p:cNvSpPr>
+          <p:nvPr>
+            <p:ph type="sldNum" sz="quarter" idx="12"/>
+          </p:nvPr>
+        </p:nvSpPr>
+        <p:spPr>
+          <a:xfrm>
+            <a:off x="11508661" y="6492875"/>
+            <a:ext cx="683339" cy="365125"/>
+          </a:xfrm>
+        </p:spPr>
+        <p:txBody>
+          <a:bodyPr/>
+          <a:lstStyle/>
+          <a:p>
+            <a:fld id="{519954A3-9DFD-4C44-94BA-B95130A3BA1C}" type="slidenum">
+              <a:rPr lang="en-US" sz="2000" smtClean="0">
+                <a:solidFill>
+                  <a:schemeClr val="bg1"/>
+                </a:solidFill>
+              </a:rPr>
+              <a:t>11</a:t>
+            </a:fld>
+            <a:endParaRPr lang="en-US" sz="2000" dirty="0">
+              <a:solidFill>
+                <a:schemeClr val="bg1"/>
+              </a:solidFill>
+            </a:endParaRPr>
+          </a:p>
+        </p:txBody>
+      </p:sp>
+      <p:pic>
+        <p:nvPicPr>
+          <p:cNvPr id="7170" name="Picture 2" descr="RÃ©sultat de recherche d'images pour &quot;logo isen toulon&quot;">
+            <a:extLst>
+              <a:ext uri="{FF2B5EF4-FFF2-40B4-BE49-F238E27FC236}">
+                <a16:creationId xmlns:a16="http://schemas.microsoft.com/office/drawing/2014/main" id="{7EFBC551-05CD-443F-9FD9-E216A4A8E207}"/>
+              </a:ext>
+            </a:extLst>
+          </p:cNvPr>
+          <p:cNvPicPr>
+            <a:picLocks noChangeAspect="1" noChangeArrowheads="1"/>
+          </p:cNvPicPr>
+          <p:nvPr/>
+        </p:nvPicPr>
+        <p:blipFill>
+          <a:blip r:embed="rId2">
+            <a:extLst>
+              <a:ext uri="{28A0092B-C50C-407E-A947-70E740481C1C}">
+                <a14:useLocalDpi xmlns:a14="http://schemas.microsoft.com/office/drawing/2010/main" val="0"/>
+              </a:ext>
+            </a:extLst>
+          </a:blip>
+          <a:srcRect/>
+          <a:stretch>
+            <a:fillRect/>
+          </a:stretch>
+        </p:blipFill>
+        <p:spPr bwMode="auto">
+          <a:xfrm>
+            <a:off x="0" y="6144732"/>
+            <a:ext cx="1533525" cy="713267"/>
+          </a:xfrm>
+          <a:prstGeom prst="rect">
+            <a:avLst/>
+          </a:prstGeom>
+          <a:noFill/>
+          <a:extLst>
+            <a:ext uri="{909E8E84-426E-40DD-AFC4-6F175D3DCCD1}">
+              <a14:hiddenFill xmlns:a14="http://schemas.microsoft.com/office/drawing/2010/main">
+                <a:solidFill>
+                  <a:srgbClr val="FFFFFF"/>
+                </a:solidFill>
+              </a14:hiddenFill>
+            </a:ext>
+          </a:extLst>
+        </p:spPr>
+      </p:pic>
+    </p:spTree>
+    <p:extLst>
+      <p:ext uri="{BB962C8B-B14F-4D97-AF65-F5344CB8AC3E}">
+        <p14:creationId xmlns:p14="http://schemas.microsoft.com/office/powerpoint/2010/main" val="3283650730"/>
+      </p:ext>
+    </p:extLst>
+  </p:cSld>
+  <p:clrMapOvr>
+    <a:masterClrMapping/>
+  </p:clrMapOvr>
+</p:sld>
+</file>
+
+<file path=ppt/slides/slide12.xml><?xml version="1.0" encoding="utf-8"?>
+<p:sld xmlns:a="http://schemas.openxmlformats.org/drawingml/2006/main" xmlns:r="http://schemas.openxmlformats.org/officeDocument/2006/relationships" xmlns:p="http://schemas.openxmlformats.org/presentationml/2006/main">
+  <p:cSld>
+    <p:spTree>
+      <p:nvGrpSpPr>
+        <p:cNvPr id="1" name=""/>
+        <p:cNvGrpSpPr/>
+        <p:nvPr/>
+      </p:nvGrpSpPr>
+      <p:grpSpPr>
+        <a:xfrm>
+          <a:off x="0" y="0"/>
+          <a:ext cx="0" cy="0"/>
+          <a:chOff x="0" y="0"/>
+          <a:chExt cx="0" cy="0"/>
+        </a:xfrm>
+      </p:grpSpPr>
+      <p:sp>
+        <p:nvSpPr>
+          <p:cNvPr id="2" name="Titre 1">
+            <a:extLst>
+              <a:ext uri="{FF2B5EF4-FFF2-40B4-BE49-F238E27FC236}">
                 <a16:creationId xmlns:a16="http://schemas.microsoft.com/office/drawing/2014/main" id="{35F353BF-6EBE-40D4-95B5-7B936C19FE22}"/>
               </a:ext>
             </a:extLst>
@@ -6355,7 +6805,7 @@
                   <a:schemeClr val="bg1"/>
                 </a:solidFill>
               </a:rPr>
-              <a:t>10</a:t>
+              <a:t>12</a:t>
             </a:fld>
             <a:endParaRPr lang="en-US" dirty="0">
               <a:solidFill>
@@ -7577,6 +8027,372 @@
           <p:cNvPr id="2" name="Titre 1">
             <a:extLst>
               <a:ext uri="{FF2B5EF4-FFF2-40B4-BE49-F238E27FC236}">
+                <a16:creationId xmlns:a16="http://schemas.microsoft.com/office/drawing/2014/main" id="{514C3CF0-8EDD-4229-9221-D13E357D5C1C}"/>
+              </a:ext>
+            </a:extLst>
+          </p:cNvPr>
+          <p:cNvSpPr>
+            <a:spLocks noGrp="1"/>
+          </p:cNvSpPr>
+          <p:nvPr>
+            <p:ph type="title"/>
+          </p:nvPr>
+        </p:nvSpPr>
+        <p:spPr/>
+        <p:txBody>
+          <a:bodyPr>
+            <a:normAutofit/>
+          </a:bodyPr>
+          <a:lstStyle/>
+          <a:p>
+            <a:r>
+              <a:rPr lang="fr-FR" sz="4000" dirty="0"/>
+              <a:t>La conception</a:t>
+            </a:r>
+          </a:p>
+        </p:txBody>
+      </p:sp>
+      <p:sp>
+        <p:nvSpPr>
+          <p:cNvPr id="3" name="Espace réservé du contenu 2">
+            <a:extLst>
+              <a:ext uri="{FF2B5EF4-FFF2-40B4-BE49-F238E27FC236}">
+                <a16:creationId xmlns:a16="http://schemas.microsoft.com/office/drawing/2014/main" id="{2697DFB7-6DB7-4E4A-BB95-062D1EDEAD02}"/>
+              </a:ext>
+            </a:extLst>
+          </p:cNvPr>
+          <p:cNvSpPr>
+            <a:spLocks noGrp="1"/>
+          </p:cNvSpPr>
+          <p:nvPr>
+            <p:ph idx="1"/>
+          </p:nvPr>
+        </p:nvSpPr>
+        <p:spPr>
+          <a:xfrm>
+            <a:off x="677334" y="1930400"/>
+            <a:ext cx="8596668" cy="3880773"/>
+          </a:xfrm>
+        </p:spPr>
+        <p:txBody>
+          <a:bodyPr>
+            <a:normAutofit/>
+          </a:bodyPr>
+          <a:lstStyle/>
+          <a:p>
+            <a:r>
+              <a:rPr lang="fr-FR" sz="2400" dirty="0"/>
+              <a:t>Partie métier : </a:t>
+            </a:r>
+          </a:p>
+          <a:p>
+            <a:pPr lvl="1"/>
+            <a:r>
+              <a:rPr lang="fr-FR" sz="2200" dirty="0"/>
+              <a:t>Implémentation des règles du jeu </a:t>
+            </a:r>
+          </a:p>
+          <a:p>
+            <a:pPr lvl="1"/>
+            <a:r>
+              <a:rPr lang="fr-FR" sz="2200" dirty="0"/>
+              <a:t>Tests unitaires</a:t>
+            </a:r>
+          </a:p>
+        </p:txBody>
+      </p:sp>
+      <p:sp>
+        <p:nvSpPr>
+          <p:cNvPr id="4" name="Espace réservé du numéro de diapositive 3">
+            <a:extLst>
+              <a:ext uri="{FF2B5EF4-FFF2-40B4-BE49-F238E27FC236}">
+                <a16:creationId xmlns:a16="http://schemas.microsoft.com/office/drawing/2014/main" id="{AF1812BC-8137-4ADF-93E2-32F4CE0668C1}"/>
+              </a:ext>
+            </a:extLst>
+          </p:cNvPr>
+          <p:cNvSpPr>
+            <a:spLocks noGrp="1"/>
+          </p:cNvSpPr>
+          <p:nvPr>
+            <p:ph type="sldNum" sz="quarter" idx="12"/>
+          </p:nvPr>
+        </p:nvSpPr>
+        <p:spPr/>
+        <p:txBody>
+          <a:bodyPr/>
+          <a:lstStyle/>
+          <a:p>
+            <a:fld id="{519954A3-9DFD-4C44-94BA-B95130A3BA1C}" type="slidenum">
+              <a:rPr lang="en-US" smtClean="0"/>
+              <a:t>7</a:t>
+            </a:fld>
+            <a:endParaRPr lang="en-US" dirty="0"/>
+          </a:p>
+        </p:txBody>
+      </p:sp>
+      <p:pic>
+        <p:nvPicPr>
+          <p:cNvPr id="5" name="Image 4">
+            <a:extLst>
+              <a:ext uri="{FF2B5EF4-FFF2-40B4-BE49-F238E27FC236}">
+                <a16:creationId xmlns:a16="http://schemas.microsoft.com/office/drawing/2014/main" id="{73C41E26-737E-48C2-B9BB-56E35FA22C6B}"/>
+              </a:ext>
+            </a:extLst>
+          </p:cNvPr>
+          <p:cNvPicPr>
+            <a:picLocks noChangeAspect="1"/>
+          </p:cNvPicPr>
+          <p:nvPr/>
+        </p:nvPicPr>
+        <p:blipFill rotWithShape="1">
+          <a:blip r:embed="rId2"/>
+          <a:srcRect l="50624" t="16111" r="3907" b="14254"/>
+          <a:stretch/>
+        </p:blipFill>
+        <p:spPr>
+          <a:xfrm>
+            <a:off x="3848100" y="3429000"/>
+            <a:ext cx="3486150" cy="3003132"/>
+          </a:xfrm>
+          <a:prstGeom prst="rect">
+            <a:avLst/>
+          </a:prstGeom>
+        </p:spPr>
+      </p:pic>
+    </p:spTree>
+    <p:extLst>
+      <p:ext uri="{BB962C8B-B14F-4D97-AF65-F5344CB8AC3E}">
+        <p14:creationId xmlns:p14="http://schemas.microsoft.com/office/powerpoint/2010/main" val="1732053869"/>
+      </p:ext>
+    </p:extLst>
+  </p:cSld>
+  <p:clrMapOvr>
+    <a:masterClrMapping/>
+  </p:clrMapOvr>
+</p:sld>
+</file>
+
+<file path=ppt/slides/slide8.xml><?xml version="1.0" encoding="utf-8"?>
+<p:sld xmlns:a="http://schemas.openxmlformats.org/drawingml/2006/main" xmlns:r="http://schemas.openxmlformats.org/officeDocument/2006/relationships" xmlns:p="http://schemas.openxmlformats.org/presentationml/2006/main">
+  <p:cSld>
+    <p:spTree>
+      <p:nvGrpSpPr>
+        <p:cNvPr id="1" name=""/>
+        <p:cNvGrpSpPr/>
+        <p:nvPr/>
+      </p:nvGrpSpPr>
+      <p:grpSpPr>
+        <a:xfrm>
+          <a:off x="0" y="0"/>
+          <a:ext cx="0" cy="0"/>
+          <a:chOff x="0" y="0"/>
+          <a:chExt cx="0" cy="0"/>
+        </a:xfrm>
+      </p:grpSpPr>
+      <p:sp>
+        <p:nvSpPr>
+          <p:cNvPr id="2" name="Titre 1">
+            <a:extLst>
+              <a:ext uri="{FF2B5EF4-FFF2-40B4-BE49-F238E27FC236}">
+                <a16:creationId xmlns:a16="http://schemas.microsoft.com/office/drawing/2014/main" id="{A3C86B09-D4E9-4218-83B7-7EA341C5CCD1}"/>
+              </a:ext>
+            </a:extLst>
+          </p:cNvPr>
+          <p:cNvSpPr>
+            <a:spLocks noGrp="1"/>
+          </p:cNvSpPr>
+          <p:nvPr>
+            <p:ph type="title"/>
+          </p:nvPr>
+        </p:nvSpPr>
+        <p:spPr/>
+        <p:txBody>
+          <a:bodyPr>
+            <a:normAutofit/>
+          </a:bodyPr>
+          <a:lstStyle/>
+          <a:p>
+            <a:r>
+              <a:rPr lang="fr-FR" sz="4000" dirty="0"/>
+              <a:t>La conception</a:t>
+            </a:r>
+          </a:p>
+        </p:txBody>
+      </p:sp>
+      <p:sp>
+        <p:nvSpPr>
+          <p:cNvPr id="3" name="Espace réservé du contenu 2">
+            <a:extLst>
+              <a:ext uri="{FF2B5EF4-FFF2-40B4-BE49-F238E27FC236}">
+                <a16:creationId xmlns:a16="http://schemas.microsoft.com/office/drawing/2014/main" id="{F6549814-8043-4AED-B269-30C2C2EB394D}"/>
+              </a:ext>
+            </a:extLst>
+          </p:cNvPr>
+          <p:cNvSpPr>
+            <a:spLocks noGrp="1"/>
+          </p:cNvSpPr>
+          <p:nvPr>
+            <p:ph idx="1"/>
+          </p:nvPr>
+        </p:nvSpPr>
+        <p:spPr>
+          <a:xfrm>
+            <a:off x="677334" y="1579564"/>
+            <a:ext cx="8596668" cy="3880773"/>
+          </a:xfrm>
+        </p:spPr>
+        <p:txBody>
+          <a:bodyPr>
+            <a:normAutofit/>
+          </a:bodyPr>
+          <a:lstStyle/>
+          <a:p>
+            <a:r>
+              <a:rPr lang="fr-FR" sz="2800" dirty="0"/>
+              <a:t>Utilisation de </a:t>
+            </a:r>
+            <a:r>
+              <a:rPr lang="fr-FR" sz="2800" dirty="0" err="1"/>
+              <a:t>symfony</a:t>
+            </a:r>
+            <a:endParaRPr lang="fr-FR" sz="2800" dirty="0"/>
+          </a:p>
+          <a:p>
+            <a:pPr lvl="1"/>
+            <a:r>
+              <a:rPr lang="fr-FR" sz="2000" dirty="0"/>
+              <a:t>Création de partie</a:t>
+            </a:r>
+          </a:p>
+          <a:p>
+            <a:pPr lvl="1"/>
+            <a:r>
+              <a:rPr lang="fr-FR" sz="2000" dirty="0"/>
+              <a:t>Liste des parties en attende d’un adversaire</a:t>
+            </a:r>
+          </a:p>
+          <a:p>
+            <a:pPr lvl="1"/>
+            <a:r>
+              <a:rPr lang="fr-FR" sz="2000" dirty="0"/>
+              <a:t>Rencontre entre deux joueurs</a:t>
+            </a:r>
+          </a:p>
+          <a:p>
+            <a:pPr lvl="1"/>
+            <a:r>
+              <a:rPr lang="fr-FR" sz="2000" dirty="0"/>
+              <a:t>Abandonner une partie</a:t>
+            </a:r>
+          </a:p>
+        </p:txBody>
+      </p:sp>
+      <p:sp>
+        <p:nvSpPr>
+          <p:cNvPr id="4" name="Espace réservé du numéro de diapositive 3">
+            <a:extLst>
+              <a:ext uri="{FF2B5EF4-FFF2-40B4-BE49-F238E27FC236}">
+                <a16:creationId xmlns:a16="http://schemas.microsoft.com/office/drawing/2014/main" id="{C7606575-A454-44DC-A11B-6E17A974AA35}"/>
+              </a:ext>
+            </a:extLst>
+          </p:cNvPr>
+          <p:cNvSpPr>
+            <a:spLocks noGrp="1"/>
+          </p:cNvSpPr>
+          <p:nvPr>
+            <p:ph type="sldNum" sz="quarter" idx="12"/>
+          </p:nvPr>
+        </p:nvSpPr>
+        <p:spPr>
+          <a:xfrm>
+            <a:off x="11508661" y="6475413"/>
+            <a:ext cx="683339" cy="365125"/>
+          </a:xfrm>
+        </p:spPr>
+        <p:txBody>
+          <a:bodyPr/>
+          <a:lstStyle/>
+          <a:p>
+            <a:fld id="{519954A3-9DFD-4C44-94BA-B95130A3BA1C}" type="slidenum">
+              <a:rPr lang="en-US" sz="2000" smtClean="0">
+                <a:solidFill>
+                  <a:schemeClr val="bg1"/>
+                </a:solidFill>
+              </a:rPr>
+              <a:t>8</a:t>
+            </a:fld>
+            <a:endParaRPr lang="en-US" sz="2000" dirty="0">
+              <a:solidFill>
+                <a:schemeClr val="bg1"/>
+              </a:solidFill>
+            </a:endParaRPr>
+          </a:p>
+        </p:txBody>
+      </p:sp>
+      <p:pic>
+        <p:nvPicPr>
+          <p:cNvPr id="5" name="Image 4">
+            <a:extLst>
+              <a:ext uri="{FF2B5EF4-FFF2-40B4-BE49-F238E27FC236}">
+                <a16:creationId xmlns:a16="http://schemas.microsoft.com/office/drawing/2014/main" id="{3E032510-2070-48A8-B8EE-FAD17AF9C458}"/>
+              </a:ext>
+            </a:extLst>
+          </p:cNvPr>
+          <p:cNvPicPr>
+            <a:picLocks noChangeAspect="1"/>
+          </p:cNvPicPr>
+          <p:nvPr/>
+        </p:nvPicPr>
+        <p:blipFill rotWithShape="1">
+          <a:blip r:embed="rId2"/>
+          <a:srcRect t="13056" r="50000" b="43035"/>
+          <a:stretch/>
+        </p:blipFill>
+        <p:spPr>
+          <a:xfrm>
+            <a:off x="3242280" y="3890631"/>
+            <a:ext cx="5232654" cy="2584782"/>
+          </a:xfrm>
+          <a:prstGeom prst="rect">
+            <a:avLst/>
+          </a:prstGeom>
+        </p:spPr>
+      </p:pic>
+    </p:spTree>
+    <p:extLst>
+      <p:ext uri="{BB962C8B-B14F-4D97-AF65-F5344CB8AC3E}">
+        <p14:creationId xmlns:p14="http://schemas.microsoft.com/office/powerpoint/2010/main" val="1802703216"/>
+      </p:ext>
+    </p:extLst>
+  </p:cSld>
+  <p:clrMapOvr>
+    <a:masterClrMapping/>
+  </p:clrMapOvr>
+</p:sld>
+</file>
+
+<file path=ppt/slides/slide9.xml><?xml version="1.0" encoding="utf-8"?>
+<p:sld xmlns:a="http://schemas.openxmlformats.org/drawingml/2006/main" xmlns:r="http://schemas.openxmlformats.org/officeDocument/2006/relationships" xmlns:p="http://schemas.openxmlformats.org/presentationml/2006/main">
+  <p:cSld>
+    <p:spTree>
+      <p:nvGrpSpPr>
+        <p:cNvPr id="1" name=""/>
+        <p:cNvGrpSpPr/>
+        <p:nvPr/>
+      </p:nvGrpSpPr>
+      <p:grpSpPr>
+        <a:xfrm>
+          <a:off x="0" y="0"/>
+          <a:ext cx="0" cy="0"/>
+          <a:chOff x="0" y="0"/>
+          <a:chExt cx="0" cy="0"/>
+        </a:xfrm>
+      </p:grpSpPr>
+      <p:sp>
+        <p:nvSpPr>
+          <p:cNvPr id="2" name="Titre 1">
+            <a:extLst>
+              <a:ext uri="{FF2B5EF4-FFF2-40B4-BE49-F238E27FC236}">
                 <a16:creationId xmlns:a16="http://schemas.microsoft.com/office/drawing/2014/main" id="{E3E7F5D7-2484-48CC-A029-D6868DA39232}"/>
               </a:ext>
             </a:extLst>
@@ -7696,7 +8512,7 @@
                   <a:schemeClr val="bg1"/>
                 </a:solidFill>
               </a:rPr>
-              <a:t>7</a:t>
+              <a:t>9</a:t>
             </a:fld>
             <a:endParaRPr lang="en-US" sz="2000" dirty="0">
               <a:solidFill>
@@ -7793,443 +8609,6 @@
     <p:extLst>
       <p:ext uri="{BB962C8B-B14F-4D97-AF65-F5344CB8AC3E}">
         <p14:creationId xmlns:p14="http://schemas.microsoft.com/office/powerpoint/2010/main" val="2714973583"/>
-      </p:ext>
-    </p:extLst>
-  </p:cSld>
-  <p:clrMapOvr>
-    <a:masterClrMapping/>
-  </p:clrMapOvr>
-</p:sld>
-</file>
-
-<file path=ppt/slides/slide8.xml><?xml version="1.0" encoding="utf-8"?>
-<p:sld xmlns:a="http://schemas.openxmlformats.org/drawingml/2006/main" xmlns:r="http://schemas.openxmlformats.org/officeDocument/2006/relationships" xmlns:p="http://schemas.openxmlformats.org/presentationml/2006/main">
-  <p:cSld>
-    <p:spTree>
-      <p:nvGrpSpPr>
-        <p:cNvPr id="1" name=""/>
-        <p:cNvGrpSpPr/>
-        <p:nvPr/>
-      </p:nvGrpSpPr>
-      <p:grpSpPr>
-        <a:xfrm>
-          <a:off x="0" y="0"/>
-          <a:ext cx="0" cy="0"/>
-          <a:chOff x="0" y="0"/>
-          <a:chExt cx="0" cy="0"/>
-        </a:xfrm>
-      </p:grpSpPr>
-      <p:sp>
-        <p:nvSpPr>
-          <p:cNvPr id="2" name="Titre 1">
-            <a:extLst>
-              <a:ext uri="{FF2B5EF4-FFF2-40B4-BE49-F238E27FC236}">
-                <a16:creationId xmlns:a16="http://schemas.microsoft.com/office/drawing/2014/main" id="{7C709441-5415-475A-BBE7-4ED41809CD3E}"/>
-              </a:ext>
-            </a:extLst>
-          </p:cNvPr>
-          <p:cNvSpPr>
-            <a:spLocks noGrp="1"/>
-          </p:cNvSpPr>
-          <p:nvPr>
-            <p:ph type="title"/>
-          </p:nvPr>
-        </p:nvSpPr>
-        <p:spPr/>
-        <p:txBody>
-          <a:bodyPr>
-            <a:normAutofit/>
-          </a:bodyPr>
-          <a:lstStyle/>
-          <a:p>
-            <a:r>
-              <a:rPr lang="fr-FR" sz="4000" dirty="0"/>
-              <a:t>Les améliorations possibles</a:t>
-            </a:r>
-          </a:p>
-        </p:txBody>
-      </p:sp>
-      <p:sp>
-        <p:nvSpPr>
-          <p:cNvPr id="3" name="Espace réservé du contenu 2">
-            <a:extLst>
-              <a:ext uri="{FF2B5EF4-FFF2-40B4-BE49-F238E27FC236}">
-                <a16:creationId xmlns:a16="http://schemas.microsoft.com/office/drawing/2014/main" id="{05AD3AC8-611B-4899-9921-E6BDB9F3331F}"/>
-              </a:ext>
-            </a:extLst>
-          </p:cNvPr>
-          <p:cNvSpPr>
-            <a:spLocks noGrp="1"/>
-          </p:cNvSpPr>
-          <p:nvPr>
-            <p:ph idx="1"/>
-          </p:nvPr>
-        </p:nvSpPr>
-        <p:spPr>
-          <a:xfrm>
-            <a:off x="1086909" y="1825625"/>
-            <a:ext cx="8596668" cy="3880773"/>
-          </a:xfrm>
-        </p:spPr>
-        <p:txBody>
-          <a:bodyPr>
-            <a:normAutofit/>
-          </a:bodyPr>
-          <a:lstStyle/>
-          <a:p>
-            <a:pPr>
-              <a:lnSpc>
-                <a:spcPct val="150000"/>
-              </a:lnSpc>
-            </a:pPr>
-            <a:r>
-              <a:rPr lang="fr-FR" sz="2400" dirty="0"/>
-              <a:t>Interface </a:t>
-            </a:r>
-            <a:r>
-              <a:rPr lang="fr-FR" sz="2400" dirty="0" err="1"/>
-              <a:t>userFriendly</a:t>
-            </a:r>
-            <a:endParaRPr lang="fr-FR" sz="2400" dirty="0"/>
-          </a:p>
-          <a:p>
-            <a:pPr>
-              <a:lnSpc>
-                <a:spcPct val="150000"/>
-              </a:lnSpc>
-            </a:pPr>
-            <a:r>
-              <a:rPr lang="fr-FR" sz="2400" dirty="0"/>
-              <a:t>IA</a:t>
-            </a:r>
-          </a:p>
-          <a:p>
-            <a:pPr>
-              <a:lnSpc>
-                <a:spcPct val="150000"/>
-              </a:lnSpc>
-            </a:pPr>
-            <a:r>
-              <a:rPr lang="fr-FR" sz="2400" dirty="0"/>
-              <a:t>Statistique d’un joueur</a:t>
-            </a:r>
-          </a:p>
-        </p:txBody>
-      </p:sp>
-      <p:sp>
-        <p:nvSpPr>
-          <p:cNvPr id="4" name="Espace réservé du numéro de diapositive 3">
-            <a:extLst>
-              <a:ext uri="{FF2B5EF4-FFF2-40B4-BE49-F238E27FC236}">
-                <a16:creationId xmlns:a16="http://schemas.microsoft.com/office/drawing/2014/main" id="{861E80B9-23D0-4C33-89C8-943B9B2A13CB}"/>
-              </a:ext>
-            </a:extLst>
-          </p:cNvPr>
-          <p:cNvSpPr>
-            <a:spLocks noGrp="1"/>
-          </p:cNvSpPr>
-          <p:nvPr>
-            <p:ph type="sldNum" sz="quarter" idx="12"/>
-          </p:nvPr>
-        </p:nvSpPr>
-        <p:spPr>
-          <a:xfrm>
-            <a:off x="11508661" y="6492875"/>
-            <a:ext cx="683339" cy="365125"/>
-          </a:xfrm>
-        </p:spPr>
-        <p:txBody>
-          <a:bodyPr/>
-          <a:lstStyle/>
-          <a:p>
-            <a:fld id="{519954A3-9DFD-4C44-94BA-B95130A3BA1C}" type="slidenum">
-              <a:rPr lang="en-US" sz="2000" smtClean="0">
-                <a:solidFill>
-                  <a:schemeClr val="bg1"/>
-                </a:solidFill>
-              </a:rPr>
-              <a:t>8</a:t>
-            </a:fld>
-            <a:endParaRPr lang="en-US" sz="2000" dirty="0">
-              <a:solidFill>
-                <a:schemeClr val="bg1"/>
-              </a:solidFill>
-            </a:endParaRPr>
-          </a:p>
-        </p:txBody>
-      </p:sp>
-      <p:pic>
-        <p:nvPicPr>
-          <p:cNvPr id="6146" name="Picture 2" descr="RÃ©sultat de recherche d'images pour &quot;logo isen toulon&quot;">
-            <a:extLst>
-              <a:ext uri="{FF2B5EF4-FFF2-40B4-BE49-F238E27FC236}">
-                <a16:creationId xmlns:a16="http://schemas.microsoft.com/office/drawing/2014/main" id="{58160BA0-29C0-498F-8235-C5521156A6D2}"/>
-              </a:ext>
-            </a:extLst>
-          </p:cNvPr>
-          <p:cNvPicPr>
-            <a:picLocks noChangeAspect="1" noChangeArrowheads="1"/>
-          </p:cNvPicPr>
-          <p:nvPr/>
-        </p:nvPicPr>
-        <p:blipFill>
-          <a:blip r:embed="rId2">
-            <a:extLst>
-              <a:ext uri="{28A0092B-C50C-407E-A947-70E740481C1C}">
-                <a14:useLocalDpi xmlns:a14="http://schemas.microsoft.com/office/drawing/2010/main" val="0"/>
-              </a:ext>
-            </a:extLst>
-          </a:blip>
-          <a:srcRect/>
-          <a:stretch>
-            <a:fillRect/>
-          </a:stretch>
-        </p:blipFill>
-        <p:spPr bwMode="auto">
-          <a:xfrm>
-            <a:off x="0" y="6149162"/>
-            <a:ext cx="1524000" cy="708837"/>
-          </a:xfrm>
-          <a:prstGeom prst="rect">
-            <a:avLst/>
-          </a:prstGeom>
-          <a:noFill/>
-          <a:extLst>
-            <a:ext uri="{909E8E84-426E-40DD-AFC4-6F175D3DCCD1}">
-              <a14:hiddenFill xmlns:a14="http://schemas.microsoft.com/office/drawing/2010/main">
-                <a:solidFill>
-                  <a:srgbClr val="FFFFFF"/>
-                </a:solidFill>
-              </a14:hiddenFill>
-            </a:ext>
-          </a:extLst>
-        </p:spPr>
-      </p:pic>
-      <p:pic>
-        <p:nvPicPr>
-          <p:cNvPr id="6148" name="Picture 4" descr="Tools">
-            <a:extLst>
-              <a:ext uri="{FF2B5EF4-FFF2-40B4-BE49-F238E27FC236}">
-                <a16:creationId xmlns:a16="http://schemas.microsoft.com/office/drawing/2014/main" id="{354D09F3-36D5-43A8-B703-59FD0DC53623}"/>
-              </a:ext>
-            </a:extLst>
-          </p:cNvPr>
-          <p:cNvPicPr>
-            <a:picLocks noChangeAspect="1" noChangeArrowheads="1"/>
-          </p:cNvPicPr>
-          <p:nvPr/>
-        </p:nvPicPr>
-        <p:blipFill>
-          <a:blip r:embed="rId3">
-            <a:extLst>
-              <a:ext uri="{28A0092B-C50C-407E-A947-70E740481C1C}">
-                <a14:useLocalDpi xmlns:a14="http://schemas.microsoft.com/office/drawing/2010/main" val="0"/>
-              </a:ext>
-            </a:extLst>
-          </a:blip>
-          <a:srcRect/>
-          <a:stretch>
-            <a:fillRect/>
-          </a:stretch>
-        </p:blipFill>
-        <p:spPr bwMode="auto">
-          <a:xfrm>
-            <a:off x="6829425" y="2533650"/>
-            <a:ext cx="1790700" cy="1790700"/>
-          </a:xfrm>
-          <a:prstGeom prst="rect">
-            <a:avLst/>
-          </a:prstGeom>
-          <a:noFill/>
-          <a:extLst>
-            <a:ext uri="{909E8E84-426E-40DD-AFC4-6F175D3DCCD1}">
-              <a14:hiddenFill xmlns:a14="http://schemas.microsoft.com/office/drawing/2010/main">
-                <a:solidFill>
-                  <a:srgbClr val="FFFFFF"/>
-                </a:solidFill>
-              </a14:hiddenFill>
-            </a:ext>
-          </a:extLst>
-        </p:spPr>
-      </p:pic>
-    </p:spTree>
-    <p:extLst>
-      <p:ext uri="{BB962C8B-B14F-4D97-AF65-F5344CB8AC3E}">
-        <p14:creationId xmlns:p14="http://schemas.microsoft.com/office/powerpoint/2010/main" val="2818175400"/>
-      </p:ext>
-    </p:extLst>
-  </p:cSld>
-  <p:clrMapOvr>
-    <a:masterClrMapping/>
-  </p:clrMapOvr>
-</p:sld>
-</file>
-
-<file path=ppt/slides/slide9.xml><?xml version="1.0" encoding="utf-8"?>
-<p:sld xmlns:a="http://schemas.openxmlformats.org/drawingml/2006/main" xmlns:r="http://schemas.openxmlformats.org/officeDocument/2006/relationships" xmlns:p="http://schemas.openxmlformats.org/presentationml/2006/main">
-  <p:cSld>
-    <p:spTree>
-      <p:nvGrpSpPr>
-        <p:cNvPr id="1" name=""/>
-        <p:cNvGrpSpPr/>
-        <p:nvPr/>
-      </p:nvGrpSpPr>
-      <p:grpSpPr>
-        <a:xfrm>
-          <a:off x="0" y="0"/>
-          <a:ext cx="0" cy="0"/>
-          <a:chOff x="0" y="0"/>
-          <a:chExt cx="0" cy="0"/>
-        </a:xfrm>
-      </p:grpSpPr>
-      <p:sp>
-        <p:nvSpPr>
-          <p:cNvPr id="2" name="Titre 1">
-            <a:extLst>
-              <a:ext uri="{FF2B5EF4-FFF2-40B4-BE49-F238E27FC236}">
-                <a16:creationId xmlns:a16="http://schemas.microsoft.com/office/drawing/2014/main" id="{85682675-216F-4B4E-92C4-D14B3023C52C}"/>
-              </a:ext>
-            </a:extLst>
-          </p:cNvPr>
-          <p:cNvSpPr>
-            <a:spLocks noGrp="1"/>
-          </p:cNvSpPr>
-          <p:nvPr>
-            <p:ph type="title"/>
-          </p:nvPr>
-        </p:nvSpPr>
-        <p:spPr/>
-        <p:txBody>
-          <a:bodyPr>
-            <a:normAutofit/>
-          </a:bodyPr>
-          <a:lstStyle/>
-          <a:p>
-            <a:r>
-              <a:rPr lang="fr-FR" sz="4000" dirty="0"/>
-              <a:t>Démonstration</a:t>
-            </a:r>
-          </a:p>
-        </p:txBody>
-      </p:sp>
-      <p:sp>
-        <p:nvSpPr>
-          <p:cNvPr id="3" name="Espace réservé du contenu 2">
-            <a:extLst>
-              <a:ext uri="{FF2B5EF4-FFF2-40B4-BE49-F238E27FC236}">
-                <a16:creationId xmlns:a16="http://schemas.microsoft.com/office/drawing/2014/main" id="{97423FD6-8378-464C-8C37-0C69B704AF5F}"/>
-              </a:ext>
-            </a:extLst>
-          </p:cNvPr>
-          <p:cNvSpPr>
-            <a:spLocks noGrp="1"/>
-          </p:cNvSpPr>
-          <p:nvPr>
-            <p:ph idx="1"/>
-          </p:nvPr>
-        </p:nvSpPr>
-        <p:spPr/>
-        <p:txBody>
-          <a:bodyPr/>
-          <a:lstStyle/>
-          <a:p>
-            <a:endParaRPr lang="fr-FR"/>
-          </a:p>
-        </p:txBody>
-      </p:sp>
-      <p:sp>
-        <p:nvSpPr>
-          <p:cNvPr id="4" name="Espace réservé du numéro de diapositive 3">
-            <a:extLst>
-              <a:ext uri="{FF2B5EF4-FFF2-40B4-BE49-F238E27FC236}">
-                <a16:creationId xmlns:a16="http://schemas.microsoft.com/office/drawing/2014/main" id="{6194BF02-B71D-4BFB-ADFB-D3F3223B5FA6}"/>
-              </a:ext>
-            </a:extLst>
-          </p:cNvPr>
-          <p:cNvSpPr>
-            <a:spLocks noGrp="1"/>
-          </p:cNvSpPr>
-          <p:nvPr>
-            <p:ph type="sldNum" sz="quarter" idx="12"/>
-          </p:nvPr>
-        </p:nvSpPr>
-        <p:spPr>
-          <a:xfrm>
-            <a:off x="11508661" y="6492875"/>
-            <a:ext cx="683339" cy="365125"/>
-          </a:xfrm>
-        </p:spPr>
-        <p:txBody>
-          <a:bodyPr/>
-          <a:lstStyle/>
-          <a:p>
-            <a:fld id="{519954A3-9DFD-4C44-94BA-B95130A3BA1C}" type="slidenum">
-              <a:rPr lang="en-US" sz="2000" smtClean="0">
-                <a:solidFill>
-                  <a:schemeClr val="bg1"/>
-                </a:solidFill>
-              </a:rPr>
-              <a:t>9</a:t>
-            </a:fld>
-            <a:endParaRPr lang="en-US" sz="2000" dirty="0">
-              <a:solidFill>
-                <a:schemeClr val="bg1"/>
-              </a:solidFill>
-            </a:endParaRPr>
-          </a:p>
-        </p:txBody>
-      </p:sp>
-      <p:pic>
-        <p:nvPicPr>
-          <p:cNvPr id="7170" name="Picture 2" descr="RÃ©sultat de recherche d'images pour &quot;logo isen toulon&quot;">
-            <a:extLst>
-              <a:ext uri="{FF2B5EF4-FFF2-40B4-BE49-F238E27FC236}">
-                <a16:creationId xmlns:a16="http://schemas.microsoft.com/office/drawing/2014/main" id="{7EFBC551-05CD-443F-9FD9-E216A4A8E207}"/>
-              </a:ext>
-            </a:extLst>
-          </p:cNvPr>
-          <p:cNvPicPr>
-            <a:picLocks noChangeAspect="1" noChangeArrowheads="1"/>
-          </p:cNvPicPr>
-          <p:nvPr/>
-        </p:nvPicPr>
-        <p:blipFill>
-          <a:blip r:embed="rId2">
-            <a:extLst>
-              <a:ext uri="{28A0092B-C50C-407E-A947-70E740481C1C}">
-                <a14:useLocalDpi xmlns:a14="http://schemas.microsoft.com/office/drawing/2010/main" val="0"/>
-              </a:ext>
-            </a:extLst>
-          </a:blip>
-          <a:srcRect/>
-          <a:stretch>
-            <a:fillRect/>
-          </a:stretch>
-        </p:blipFill>
-        <p:spPr bwMode="auto">
-          <a:xfrm>
-            <a:off x="0" y="6144732"/>
-            <a:ext cx="1533525" cy="713267"/>
-          </a:xfrm>
-          <a:prstGeom prst="rect">
-            <a:avLst/>
-          </a:prstGeom>
-          <a:noFill/>
-          <a:extLst>
-            <a:ext uri="{909E8E84-426E-40DD-AFC4-6F175D3DCCD1}">
-              <a14:hiddenFill xmlns:a14="http://schemas.microsoft.com/office/drawing/2010/main">
-                <a:solidFill>
-                  <a:srgbClr val="FFFFFF"/>
-                </a:solidFill>
-              </a14:hiddenFill>
-            </a:ext>
-          </a:extLst>
-        </p:spPr>
-      </p:pic>
-    </p:spTree>
-    <p:extLst>
-      <p:ext uri="{BB962C8B-B14F-4D97-AF65-F5344CB8AC3E}">
-        <p14:creationId xmlns:p14="http://schemas.microsoft.com/office/powerpoint/2010/main" val="3283650730"/>
       </p:ext>
     </p:extLst>
   </p:cSld>
